--- a/topic06/talk-1/Typescript(Javascript) top-up.pptx
+++ b/topic06/talk-1/Typescript(Javascript) top-up.pptx
@@ -108,6 +108,11 @@
       </a:defRPr>
     </a:lvl9pPr>
   </p:defaultTextStyle>
+  <p:extLst>
+    <p:ext uri="{EFAFB233-063F-42B5-8137-9DF3F51BA10A}">
+      <p15:sldGuideLst xmlns:p15="http://schemas.microsoft.com/office/powerpoint/2012/main"/>
+    </p:ext>
+  </p:extLst>
 </p:presentation>
 </file>
 
@@ -260,7 +265,7 @@
           <a:p>
             <a:fld id="{F85EC373-F805-4A08-883B-933392D111E4}" type="datetimeFigureOut">
               <a:rPr lang="en-IE" smtClean="0"/>
-              <a:t>10/03/2024</a:t>
+              <a:t>24/03/2025</a:t>
             </a:fld>
             <a:endParaRPr lang="en-IE"/>
           </a:p>
@@ -460,7 +465,7 @@
           <a:p>
             <a:fld id="{F85EC373-F805-4A08-883B-933392D111E4}" type="datetimeFigureOut">
               <a:rPr lang="en-IE" smtClean="0"/>
-              <a:t>10/03/2024</a:t>
+              <a:t>24/03/2025</a:t>
             </a:fld>
             <a:endParaRPr lang="en-IE"/>
           </a:p>
@@ -670,7 +675,7 @@
           <a:p>
             <a:fld id="{F85EC373-F805-4A08-883B-933392D111E4}" type="datetimeFigureOut">
               <a:rPr lang="en-IE" smtClean="0"/>
-              <a:t>10/03/2024</a:t>
+              <a:t>24/03/2025</a:t>
             </a:fld>
             <a:endParaRPr lang="en-IE"/>
           </a:p>
@@ -870,7 +875,7 @@
           <a:p>
             <a:fld id="{F85EC373-F805-4A08-883B-933392D111E4}" type="datetimeFigureOut">
               <a:rPr lang="en-IE" smtClean="0"/>
-              <a:t>10/03/2024</a:t>
+              <a:t>24/03/2025</a:t>
             </a:fld>
             <a:endParaRPr lang="en-IE"/>
           </a:p>
@@ -1146,7 +1151,7 @@
           <a:p>
             <a:fld id="{F85EC373-F805-4A08-883B-933392D111E4}" type="datetimeFigureOut">
               <a:rPr lang="en-IE" smtClean="0"/>
-              <a:t>10/03/2024</a:t>
+              <a:t>24/03/2025</a:t>
             </a:fld>
             <a:endParaRPr lang="en-IE"/>
           </a:p>
@@ -1414,7 +1419,7 @@
           <a:p>
             <a:fld id="{F85EC373-F805-4A08-883B-933392D111E4}" type="datetimeFigureOut">
               <a:rPr lang="en-IE" smtClean="0"/>
-              <a:t>10/03/2024</a:t>
+              <a:t>24/03/2025</a:t>
             </a:fld>
             <a:endParaRPr lang="en-IE"/>
           </a:p>
@@ -1829,7 +1834,7 @@
           <a:p>
             <a:fld id="{F85EC373-F805-4A08-883B-933392D111E4}" type="datetimeFigureOut">
               <a:rPr lang="en-IE" smtClean="0"/>
-              <a:t>10/03/2024</a:t>
+              <a:t>24/03/2025</a:t>
             </a:fld>
             <a:endParaRPr lang="en-IE"/>
           </a:p>
@@ -1971,7 +1976,7 @@
           <a:p>
             <a:fld id="{F85EC373-F805-4A08-883B-933392D111E4}" type="datetimeFigureOut">
               <a:rPr lang="en-IE" smtClean="0"/>
-              <a:t>10/03/2024</a:t>
+              <a:t>24/03/2025</a:t>
             </a:fld>
             <a:endParaRPr lang="en-IE"/>
           </a:p>
@@ -2084,7 +2089,7 @@
           <a:p>
             <a:fld id="{F85EC373-F805-4A08-883B-933392D111E4}" type="datetimeFigureOut">
               <a:rPr lang="en-IE" smtClean="0"/>
-              <a:t>10/03/2024</a:t>
+              <a:t>24/03/2025</a:t>
             </a:fld>
             <a:endParaRPr lang="en-IE"/>
           </a:p>
@@ -2397,7 +2402,7 @@
           <a:p>
             <a:fld id="{F85EC373-F805-4A08-883B-933392D111E4}" type="datetimeFigureOut">
               <a:rPr lang="en-IE" smtClean="0"/>
-              <a:t>10/03/2024</a:t>
+              <a:t>24/03/2025</a:t>
             </a:fld>
             <a:endParaRPr lang="en-IE"/>
           </a:p>
@@ -2686,7 +2691,7 @@
           <a:p>
             <a:fld id="{F85EC373-F805-4A08-883B-933392D111E4}" type="datetimeFigureOut">
               <a:rPr lang="en-IE" smtClean="0"/>
-              <a:t>10/03/2024</a:t>
+              <a:t>24/03/2025</a:t>
             </a:fld>
             <a:endParaRPr lang="en-IE"/>
           </a:p>
@@ -2929,7 +2934,7 @@
           <a:p>
             <a:fld id="{F85EC373-F805-4A08-883B-933392D111E4}" type="datetimeFigureOut">
               <a:rPr lang="en-IE" smtClean="0"/>
-              <a:t>10/03/2024</a:t>
+              <a:t>24/03/2025</a:t>
             </a:fld>
             <a:endParaRPr lang="en-IE"/>
           </a:p>
@@ -3834,10 +3839,10 @@
       </p:sp>
       <p:pic>
         <p:nvPicPr>
-          <p:cNvPr id="5" name="Picture 4">
-            <a:extLst>
-              <a:ext uri="{FF2B5EF4-FFF2-40B4-BE49-F238E27FC236}">
-                <a16:creationId xmlns:a16="http://schemas.microsoft.com/office/drawing/2014/main" id="{66F9A67F-A200-9A87-CC68-7D649012861D}"/>
+          <p:cNvPr id="6" name="Picture 5">
+            <a:extLst>
+              <a:ext uri="{FF2B5EF4-FFF2-40B4-BE49-F238E27FC236}">
+                <a16:creationId xmlns:a16="http://schemas.microsoft.com/office/drawing/2014/main" id="{D2F8F7DE-9D9C-AD78-6886-E552F7929C58}"/>
               </a:ext>
             </a:extLst>
           </p:cNvPr>
@@ -3854,8 +3859,8 @@
         </p:blipFill>
         <p:spPr>
           <a:xfrm>
-            <a:off x="966992" y="4387433"/>
-            <a:ext cx="4084072" cy="1322901"/>
+            <a:off x="838200" y="4458300"/>
+            <a:ext cx="5226319" cy="1562180"/>
           </a:xfrm>
           <a:prstGeom prst="rect">
             <a:avLst/>
@@ -3864,10 +3869,10 @@
       </p:pic>
       <p:pic>
         <p:nvPicPr>
-          <p:cNvPr id="7" name="Picture 6">
-            <a:extLst>
-              <a:ext uri="{FF2B5EF4-FFF2-40B4-BE49-F238E27FC236}">
-                <a16:creationId xmlns:a16="http://schemas.microsoft.com/office/drawing/2014/main" id="{3436783A-2717-0C1A-BF23-B71FA2ECD456}"/>
+          <p:cNvPr id="9" name="Picture 8">
+            <a:extLst>
+              <a:ext uri="{FF2B5EF4-FFF2-40B4-BE49-F238E27FC236}">
+                <a16:creationId xmlns:a16="http://schemas.microsoft.com/office/drawing/2014/main" id="{D7E535E7-657C-EA65-BDE7-ADA4B6681F95}"/>
               </a:ext>
             </a:extLst>
           </p:cNvPr>
@@ -3884,8 +3889,8 @@
         </p:blipFill>
         <p:spPr>
           <a:xfrm>
-            <a:off x="5429168" y="4387433"/>
-            <a:ext cx="4543483" cy="1322901"/>
+            <a:off x="7190862" y="3817420"/>
+            <a:ext cx="3321221" cy="2267067"/>
           </a:xfrm>
           <a:prstGeom prst="rect">
             <a:avLst/>

--- a/topic06/talk-1/Typescript(Javascript) top-up.pptx
+++ b/topic06/talk-1/Typescript(Javascript) top-up.pptx
@@ -4,12 +4,16 @@
   <p:sldMasterIdLst>
     <p:sldMasterId id="2147483648" r:id="rId1"/>
   </p:sldMasterIdLst>
+  <p:notesMasterIdLst>
+    <p:notesMasterId r:id="rId8"/>
+  </p:notesMasterIdLst>
   <p:sldIdLst>
     <p:sldId id="256" r:id="rId2"/>
     <p:sldId id="257" r:id="rId3"/>
     <p:sldId id="258" r:id="rId4"/>
     <p:sldId id="259" r:id="rId5"/>
     <p:sldId id="260" r:id="rId6"/>
+    <p:sldId id="261" r:id="rId7"/>
   </p:sldIdLst>
   <p:sldSz cx="12192000" cy="6858000"/>
   <p:notesSz cx="6858000" cy="9144000"/>
@@ -116,6 +120,483 @@
 </p:presentation>
 </file>
 
+<file path=ppt/notesMasters/notesMaster1.xml><?xml version="1.0" encoding="utf-8"?>
+<p:notesMaster xmlns:a="http://schemas.openxmlformats.org/drawingml/2006/main" xmlns:r="http://schemas.openxmlformats.org/officeDocument/2006/relationships" xmlns:p="http://schemas.openxmlformats.org/presentationml/2006/main">
+  <p:cSld>
+    <p:bg>
+      <p:bgRef idx="1001">
+        <a:schemeClr val="bg1"/>
+      </p:bgRef>
+    </p:bg>
+    <p:spTree>
+      <p:nvGrpSpPr>
+        <p:cNvPr id="1" name=""/>
+        <p:cNvGrpSpPr/>
+        <p:nvPr/>
+      </p:nvGrpSpPr>
+      <p:grpSpPr>
+        <a:xfrm>
+          <a:off x="0" y="0"/>
+          <a:ext cx="0" cy="0"/>
+          <a:chOff x="0" y="0"/>
+          <a:chExt cx="0" cy="0"/>
+        </a:xfrm>
+      </p:grpSpPr>
+      <p:sp>
+        <p:nvSpPr>
+          <p:cNvPr id="2" name="Header Placeholder 1"/>
+          <p:cNvSpPr>
+            <a:spLocks noGrp="1"/>
+          </p:cNvSpPr>
+          <p:nvPr>
+            <p:ph type="hdr" sz="quarter"/>
+          </p:nvPr>
+        </p:nvSpPr>
+        <p:spPr>
+          <a:xfrm>
+            <a:off x="0" y="0"/>
+            <a:ext cx="2971800" cy="458788"/>
+          </a:xfrm>
+          <a:prstGeom prst="rect">
+            <a:avLst/>
+          </a:prstGeom>
+        </p:spPr>
+        <p:txBody>
+          <a:bodyPr vert="horz" lIns="91440" tIns="45720" rIns="91440" bIns="45720" rtlCol="0"/>
+          <a:lstStyle>
+            <a:lvl1pPr algn="l">
+              <a:defRPr sz="1200"/>
+            </a:lvl1pPr>
+          </a:lstStyle>
+          <a:p>
+            <a:endParaRPr lang="en-IE"/>
+          </a:p>
+        </p:txBody>
+      </p:sp>
+      <p:sp>
+        <p:nvSpPr>
+          <p:cNvPr id="3" name="Date Placeholder 2"/>
+          <p:cNvSpPr>
+            <a:spLocks noGrp="1"/>
+          </p:cNvSpPr>
+          <p:nvPr>
+            <p:ph type="dt" idx="1"/>
+          </p:nvPr>
+        </p:nvSpPr>
+        <p:spPr>
+          <a:xfrm>
+            <a:off x="3884613" y="0"/>
+            <a:ext cx="2971800" cy="458788"/>
+          </a:xfrm>
+          <a:prstGeom prst="rect">
+            <a:avLst/>
+          </a:prstGeom>
+        </p:spPr>
+        <p:txBody>
+          <a:bodyPr vert="horz" lIns="91440" tIns="45720" rIns="91440" bIns="45720" rtlCol="0"/>
+          <a:lstStyle>
+            <a:lvl1pPr algn="r">
+              <a:defRPr sz="1200"/>
+            </a:lvl1pPr>
+          </a:lstStyle>
+          <a:p>
+            <a:fld id="{0E818C0E-31A9-485B-A2BA-BE5D98D690A4}" type="datetimeFigureOut">
+              <a:rPr lang="en-IE" smtClean="0"/>
+              <a:t>04/06/2024</a:t>
+            </a:fld>
+            <a:endParaRPr lang="en-IE"/>
+          </a:p>
+        </p:txBody>
+      </p:sp>
+      <p:sp>
+        <p:nvSpPr>
+          <p:cNvPr id="4" name="Slide Image Placeholder 3"/>
+          <p:cNvSpPr>
+            <a:spLocks noGrp="1" noRot="1" noChangeAspect="1"/>
+          </p:cNvSpPr>
+          <p:nvPr>
+            <p:ph type="sldImg" idx="2"/>
+          </p:nvPr>
+        </p:nvSpPr>
+        <p:spPr>
+          <a:xfrm>
+            <a:off x="685800" y="1143000"/>
+            <a:ext cx="5486400" cy="3086100"/>
+          </a:xfrm>
+          <a:prstGeom prst="rect">
+            <a:avLst/>
+          </a:prstGeom>
+          <a:noFill/>
+          <a:ln w="12700">
+            <a:solidFill>
+              <a:prstClr val="black"/>
+            </a:solidFill>
+          </a:ln>
+        </p:spPr>
+        <p:txBody>
+          <a:bodyPr vert="horz" lIns="91440" tIns="45720" rIns="91440" bIns="45720" rtlCol="0" anchor="ctr"/>
+          <a:lstStyle/>
+          <a:p>
+            <a:endParaRPr lang="en-IE"/>
+          </a:p>
+        </p:txBody>
+      </p:sp>
+      <p:sp>
+        <p:nvSpPr>
+          <p:cNvPr id="5" name="Notes Placeholder 4"/>
+          <p:cNvSpPr>
+            <a:spLocks noGrp="1"/>
+          </p:cNvSpPr>
+          <p:nvPr>
+            <p:ph type="body" sz="quarter" idx="3"/>
+          </p:nvPr>
+        </p:nvSpPr>
+        <p:spPr>
+          <a:xfrm>
+            <a:off x="685800" y="4400550"/>
+            <a:ext cx="5486400" cy="3600450"/>
+          </a:xfrm>
+          <a:prstGeom prst="rect">
+            <a:avLst/>
+          </a:prstGeom>
+        </p:spPr>
+        <p:txBody>
+          <a:bodyPr vert="horz" lIns="91440" tIns="45720" rIns="91440" bIns="45720" rtlCol="0"/>
+          <a:lstStyle/>
+          <a:p>
+            <a:pPr lvl="0"/>
+            <a:r>
+              <a:rPr lang="en-US"/>
+              <a:t>Click to edit Master text styles</a:t>
+            </a:r>
+          </a:p>
+          <a:p>
+            <a:pPr lvl="1"/>
+            <a:r>
+              <a:rPr lang="en-US"/>
+              <a:t>Second level</a:t>
+            </a:r>
+          </a:p>
+          <a:p>
+            <a:pPr lvl="2"/>
+            <a:r>
+              <a:rPr lang="en-US"/>
+              <a:t>Third level</a:t>
+            </a:r>
+          </a:p>
+          <a:p>
+            <a:pPr lvl="3"/>
+            <a:r>
+              <a:rPr lang="en-US"/>
+              <a:t>Fourth level</a:t>
+            </a:r>
+          </a:p>
+          <a:p>
+            <a:pPr lvl="4"/>
+            <a:r>
+              <a:rPr lang="en-US"/>
+              <a:t>Fifth level</a:t>
+            </a:r>
+            <a:endParaRPr lang="en-IE"/>
+          </a:p>
+        </p:txBody>
+      </p:sp>
+      <p:sp>
+        <p:nvSpPr>
+          <p:cNvPr id="6" name="Footer Placeholder 5"/>
+          <p:cNvSpPr>
+            <a:spLocks noGrp="1"/>
+          </p:cNvSpPr>
+          <p:nvPr>
+            <p:ph type="ftr" sz="quarter" idx="4"/>
+          </p:nvPr>
+        </p:nvSpPr>
+        <p:spPr>
+          <a:xfrm>
+            <a:off x="0" y="8685213"/>
+            <a:ext cx="2971800" cy="458787"/>
+          </a:xfrm>
+          <a:prstGeom prst="rect">
+            <a:avLst/>
+          </a:prstGeom>
+        </p:spPr>
+        <p:txBody>
+          <a:bodyPr vert="horz" lIns="91440" tIns="45720" rIns="91440" bIns="45720" rtlCol="0" anchor="b"/>
+          <a:lstStyle>
+            <a:lvl1pPr algn="l">
+              <a:defRPr sz="1200"/>
+            </a:lvl1pPr>
+          </a:lstStyle>
+          <a:p>
+            <a:endParaRPr lang="en-IE"/>
+          </a:p>
+        </p:txBody>
+      </p:sp>
+      <p:sp>
+        <p:nvSpPr>
+          <p:cNvPr id="7" name="Slide Number Placeholder 6"/>
+          <p:cNvSpPr>
+            <a:spLocks noGrp="1"/>
+          </p:cNvSpPr>
+          <p:nvPr>
+            <p:ph type="sldNum" sz="quarter" idx="5"/>
+          </p:nvPr>
+        </p:nvSpPr>
+        <p:spPr>
+          <a:xfrm>
+            <a:off x="3884613" y="8685213"/>
+            <a:ext cx="2971800" cy="458787"/>
+          </a:xfrm>
+          <a:prstGeom prst="rect">
+            <a:avLst/>
+          </a:prstGeom>
+        </p:spPr>
+        <p:txBody>
+          <a:bodyPr vert="horz" lIns="91440" tIns="45720" rIns="91440" bIns="45720" rtlCol="0" anchor="b"/>
+          <a:lstStyle>
+            <a:lvl1pPr algn="r">
+              <a:defRPr sz="1200"/>
+            </a:lvl1pPr>
+          </a:lstStyle>
+          <a:p>
+            <a:fld id="{B7C33F16-E853-4381-A9E4-9A2640CD9F27}" type="slidenum">
+              <a:rPr lang="en-IE" smtClean="0"/>
+              <a:t>‹#›</a:t>
+            </a:fld>
+            <a:endParaRPr lang="en-IE"/>
+          </a:p>
+        </p:txBody>
+      </p:sp>
+    </p:spTree>
+    <p:extLst>
+      <p:ext uri="{BB962C8B-B14F-4D97-AF65-F5344CB8AC3E}">
+        <p14:creationId xmlns:p14="http://schemas.microsoft.com/office/powerpoint/2010/main" val="3987117923"/>
+      </p:ext>
+    </p:extLst>
+  </p:cSld>
+  <p:clrMap bg1="lt1" tx1="dk1" bg2="lt2" tx2="dk2" accent1="accent1" accent2="accent2" accent3="accent3" accent4="accent4" accent5="accent5" accent6="accent6" hlink="hlink" folHlink="folHlink"/>
+  <p:notesStyle>
+    <a:lvl1pPr marL="0" algn="l" defTabSz="914400" rtl="0" eaLnBrk="1" latinLnBrk="0" hangingPunct="1">
+      <a:defRPr sz="1200" kern="1200">
+        <a:solidFill>
+          <a:schemeClr val="tx1"/>
+        </a:solidFill>
+        <a:latin typeface="+mn-lt"/>
+        <a:ea typeface="+mn-ea"/>
+        <a:cs typeface="+mn-cs"/>
+      </a:defRPr>
+    </a:lvl1pPr>
+    <a:lvl2pPr marL="457200" algn="l" defTabSz="914400" rtl="0" eaLnBrk="1" latinLnBrk="0" hangingPunct="1">
+      <a:defRPr sz="1200" kern="1200">
+        <a:solidFill>
+          <a:schemeClr val="tx1"/>
+        </a:solidFill>
+        <a:latin typeface="+mn-lt"/>
+        <a:ea typeface="+mn-ea"/>
+        <a:cs typeface="+mn-cs"/>
+      </a:defRPr>
+    </a:lvl2pPr>
+    <a:lvl3pPr marL="914400" algn="l" defTabSz="914400" rtl="0" eaLnBrk="1" latinLnBrk="0" hangingPunct="1">
+      <a:defRPr sz="1200" kern="1200">
+        <a:solidFill>
+          <a:schemeClr val="tx1"/>
+        </a:solidFill>
+        <a:latin typeface="+mn-lt"/>
+        <a:ea typeface="+mn-ea"/>
+        <a:cs typeface="+mn-cs"/>
+      </a:defRPr>
+    </a:lvl3pPr>
+    <a:lvl4pPr marL="1371600" algn="l" defTabSz="914400" rtl="0" eaLnBrk="1" latinLnBrk="0" hangingPunct="1">
+      <a:defRPr sz="1200" kern="1200">
+        <a:solidFill>
+          <a:schemeClr val="tx1"/>
+        </a:solidFill>
+        <a:latin typeface="+mn-lt"/>
+        <a:ea typeface="+mn-ea"/>
+        <a:cs typeface="+mn-cs"/>
+      </a:defRPr>
+    </a:lvl4pPr>
+    <a:lvl5pPr marL="1828800" algn="l" defTabSz="914400" rtl="0" eaLnBrk="1" latinLnBrk="0" hangingPunct="1">
+      <a:defRPr sz="1200" kern="1200">
+        <a:solidFill>
+          <a:schemeClr val="tx1"/>
+        </a:solidFill>
+        <a:latin typeface="+mn-lt"/>
+        <a:ea typeface="+mn-ea"/>
+        <a:cs typeface="+mn-cs"/>
+      </a:defRPr>
+    </a:lvl5pPr>
+    <a:lvl6pPr marL="2286000" algn="l" defTabSz="914400" rtl="0" eaLnBrk="1" latinLnBrk="0" hangingPunct="1">
+      <a:defRPr sz="1200" kern="1200">
+        <a:solidFill>
+          <a:schemeClr val="tx1"/>
+        </a:solidFill>
+        <a:latin typeface="+mn-lt"/>
+        <a:ea typeface="+mn-ea"/>
+        <a:cs typeface="+mn-cs"/>
+      </a:defRPr>
+    </a:lvl6pPr>
+    <a:lvl7pPr marL="2743200" algn="l" defTabSz="914400" rtl="0" eaLnBrk="1" latinLnBrk="0" hangingPunct="1">
+      <a:defRPr sz="1200" kern="1200">
+        <a:solidFill>
+          <a:schemeClr val="tx1"/>
+        </a:solidFill>
+        <a:latin typeface="+mn-lt"/>
+        <a:ea typeface="+mn-ea"/>
+        <a:cs typeface="+mn-cs"/>
+      </a:defRPr>
+    </a:lvl7pPr>
+    <a:lvl8pPr marL="3200400" algn="l" defTabSz="914400" rtl="0" eaLnBrk="1" latinLnBrk="0" hangingPunct="1">
+      <a:defRPr sz="1200" kern="1200">
+        <a:solidFill>
+          <a:schemeClr val="tx1"/>
+        </a:solidFill>
+        <a:latin typeface="+mn-lt"/>
+        <a:ea typeface="+mn-ea"/>
+        <a:cs typeface="+mn-cs"/>
+      </a:defRPr>
+    </a:lvl8pPr>
+    <a:lvl9pPr marL="3657600" algn="l" defTabSz="914400" rtl="0" eaLnBrk="1" latinLnBrk="0" hangingPunct="1">
+      <a:defRPr sz="1200" kern="1200">
+        <a:solidFill>
+          <a:schemeClr val="tx1"/>
+        </a:solidFill>
+        <a:latin typeface="+mn-lt"/>
+        <a:ea typeface="+mn-ea"/>
+        <a:cs typeface="+mn-cs"/>
+      </a:defRPr>
+    </a:lvl9pPr>
+  </p:notesStyle>
+</p:notesMaster>
+</file>
+
+<file path=ppt/notesSlides/notesSlide1.xml><?xml version="1.0" encoding="utf-8"?>
+<p:notes xmlns:a="http://schemas.openxmlformats.org/drawingml/2006/main" xmlns:r="http://schemas.openxmlformats.org/officeDocument/2006/relationships" xmlns:p="http://schemas.openxmlformats.org/presentationml/2006/main">
+  <p:cSld>
+    <p:spTree>
+      <p:nvGrpSpPr>
+        <p:cNvPr id="1" name=""/>
+        <p:cNvGrpSpPr/>
+        <p:nvPr/>
+      </p:nvGrpSpPr>
+      <p:grpSpPr>
+        <a:xfrm>
+          <a:off x="0" y="0"/>
+          <a:ext cx="0" cy="0"/>
+          <a:chOff x="0" y="0"/>
+          <a:chExt cx="0" cy="0"/>
+        </a:xfrm>
+      </p:grpSpPr>
+      <p:sp>
+        <p:nvSpPr>
+          <p:cNvPr id="2" name="Slide Image Placeholder 1"/>
+          <p:cNvSpPr>
+            <a:spLocks noGrp="1" noRot="1" noChangeAspect="1"/>
+          </p:cNvSpPr>
+          <p:nvPr>
+            <p:ph type="sldImg"/>
+          </p:nvPr>
+        </p:nvSpPr>
+        <p:spPr/>
+      </p:sp>
+      <p:sp>
+        <p:nvSpPr>
+          <p:cNvPr id="3" name="Notes Placeholder 2"/>
+          <p:cNvSpPr>
+            <a:spLocks noGrp="1"/>
+          </p:cNvSpPr>
+          <p:nvPr>
+            <p:ph type="body" idx="1"/>
+          </p:nvPr>
+        </p:nvSpPr>
+        <p:spPr/>
+        <p:txBody>
+          <a:bodyPr/>
+          <a:lstStyle/>
+          <a:p>
+            <a:r>
+              <a:rPr lang="en-GB" dirty="0" err="1"/>
+              <a:t>Destructuring</a:t>
+            </a:r>
+            <a:r>
+              <a:rPr lang="en-GB" dirty="0"/>
+              <a:t> in JavaScript and TypeScript is a feature that allows you to unpack values from arrays, or properties from objects, into distinct variables. This can make your code more readable and maintainable by reducing the need for repeated references to the original array or object.</a:t>
+            </a:r>
+          </a:p>
+          <a:p>
+            <a:endParaRPr lang="en-GB" dirty="0"/>
+          </a:p>
+          <a:p>
+            <a:r>
+              <a:rPr lang="en-GB" b="0" i="0" dirty="0">
+                <a:solidFill>
+                  <a:srgbClr val="CCCCCC"/>
+                </a:solidFill>
+                <a:effectLst/>
+                <a:highlight>
+                  <a:srgbClr val="252526"/>
+                </a:highlight>
+                <a:latin typeface="Segoe WPC"/>
+              </a:rPr>
+              <a:t>The active selection you've provided, </a:t>
+            </a:r>
+            <a:r>
+              <a:rPr lang="en-GB" dirty="0"/>
+              <a:t>${v1}</a:t>
+            </a:r>
+            <a:r>
+              <a:rPr lang="en-GB" b="0" i="0" dirty="0">
+                <a:solidFill>
+                  <a:srgbClr val="CCCCCC"/>
+                </a:solidFill>
+                <a:effectLst/>
+                <a:highlight>
+                  <a:srgbClr val="252526"/>
+                </a:highlight>
+                <a:latin typeface="Segoe WPC"/>
+              </a:rPr>
+              <a:t>, is a template literal in JavaScript and TypeScript</a:t>
+            </a:r>
+            <a:endParaRPr lang="en-IE" dirty="0"/>
+          </a:p>
+        </p:txBody>
+      </p:sp>
+      <p:sp>
+        <p:nvSpPr>
+          <p:cNvPr id="4" name="Slide Number Placeholder 3"/>
+          <p:cNvSpPr>
+            <a:spLocks noGrp="1"/>
+          </p:cNvSpPr>
+          <p:nvPr>
+            <p:ph type="sldNum" sz="quarter" idx="5"/>
+          </p:nvPr>
+        </p:nvSpPr>
+        <p:spPr/>
+        <p:txBody>
+          <a:bodyPr/>
+          <a:lstStyle/>
+          <a:p>
+            <a:fld id="{B7C33F16-E853-4381-A9E4-9A2640CD9F27}" type="slidenum">
+              <a:rPr lang="en-IE" smtClean="0"/>
+              <a:t>3</a:t>
+            </a:fld>
+            <a:endParaRPr lang="en-IE"/>
+          </a:p>
+        </p:txBody>
+      </p:sp>
+    </p:spTree>
+    <p:extLst>
+      <p:ext uri="{BB962C8B-B14F-4D97-AF65-F5344CB8AC3E}">
+        <p14:creationId xmlns:p14="http://schemas.microsoft.com/office/powerpoint/2010/main" val="4004369932"/>
+      </p:ext>
+    </p:extLst>
+  </p:cSld>
+  <p:clrMapOvr>
+    <a:masterClrMapping/>
+  </p:clrMapOvr>
+</p:notes>
+</file>
+
 <file path=ppt/slideLayouts/slideLayout1.xml><?xml version="1.0" encoding="utf-8"?>
 <p:sldLayout xmlns:a="http://schemas.openxmlformats.org/drawingml/2006/main" xmlns:r="http://schemas.openxmlformats.org/officeDocument/2006/relationships" xmlns:p="http://schemas.openxmlformats.org/presentationml/2006/main" type="title" preserve="1">
   <p:cSld name="Title Slide">
@@ -265,7 +746,7 @@
           <a:p>
             <a:fld id="{F85EC373-F805-4A08-883B-933392D111E4}" type="datetimeFigureOut">
               <a:rPr lang="en-IE" smtClean="0"/>
-              <a:t>24/03/2025</a:t>
+              <a:t>04/06/2024</a:t>
             </a:fld>
             <a:endParaRPr lang="en-IE"/>
           </a:p>
@@ -465,7 +946,7 @@
           <a:p>
             <a:fld id="{F85EC373-F805-4A08-883B-933392D111E4}" type="datetimeFigureOut">
               <a:rPr lang="en-IE" smtClean="0"/>
-              <a:t>24/03/2025</a:t>
+              <a:t>04/06/2024</a:t>
             </a:fld>
             <a:endParaRPr lang="en-IE"/>
           </a:p>
@@ -675,7 +1156,7 @@
           <a:p>
             <a:fld id="{F85EC373-F805-4A08-883B-933392D111E4}" type="datetimeFigureOut">
               <a:rPr lang="en-IE" smtClean="0"/>
-              <a:t>24/03/2025</a:t>
+              <a:t>04/06/2024</a:t>
             </a:fld>
             <a:endParaRPr lang="en-IE"/>
           </a:p>
@@ -875,7 +1356,7 @@
           <a:p>
             <a:fld id="{F85EC373-F805-4A08-883B-933392D111E4}" type="datetimeFigureOut">
               <a:rPr lang="en-IE" smtClean="0"/>
-              <a:t>24/03/2025</a:t>
+              <a:t>04/06/2024</a:t>
             </a:fld>
             <a:endParaRPr lang="en-IE"/>
           </a:p>
@@ -1151,7 +1632,7 @@
           <a:p>
             <a:fld id="{F85EC373-F805-4A08-883B-933392D111E4}" type="datetimeFigureOut">
               <a:rPr lang="en-IE" smtClean="0"/>
-              <a:t>24/03/2025</a:t>
+              <a:t>04/06/2024</a:t>
             </a:fld>
             <a:endParaRPr lang="en-IE"/>
           </a:p>
@@ -1419,7 +1900,7 @@
           <a:p>
             <a:fld id="{F85EC373-F805-4A08-883B-933392D111E4}" type="datetimeFigureOut">
               <a:rPr lang="en-IE" smtClean="0"/>
-              <a:t>24/03/2025</a:t>
+              <a:t>04/06/2024</a:t>
             </a:fld>
             <a:endParaRPr lang="en-IE"/>
           </a:p>
@@ -1834,7 +2315,7 @@
           <a:p>
             <a:fld id="{F85EC373-F805-4A08-883B-933392D111E4}" type="datetimeFigureOut">
               <a:rPr lang="en-IE" smtClean="0"/>
-              <a:t>24/03/2025</a:t>
+              <a:t>04/06/2024</a:t>
             </a:fld>
             <a:endParaRPr lang="en-IE"/>
           </a:p>
@@ -1976,7 +2457,7 @@
           <a:p>
             <a:fld id="{F85EC373-F805-4A08-883B-933392D111E4}" type="datetimeFigureOut">
               <a:rPr lang="en-IE" smtClean="0"/>
-              <a:t>24/03/2025</a:t>
+              <a:t>04/06/2024</a:t>
             </a:fld>
             <a:endParaRPr lang="en-IE"/>
           </a:p>
@@ -2089,7 +2570,7 @@
           <a:p>
             <a:fld id="{F85EC373-F805-4A08-883B-933392D111E4}" type="datetimeFigureOut">
               <a:rPr lang="en-IE" smtClean="0"/>
-              <a:t>24/03/2025</a:t>
+              <a:t>04/06/2024</a:t>
             </a:fld>
             <a:endParaRPr lang="en-IE"/>
           </a:p>
@@ -2402,7 +2883,7 @@
           <a:p>
             <a:fld id="{F85EC373-F805-4A08-883B-933392D111E4}" type="datetimeFigureOut">
               <a:rPr lang="en-IE" smtClean="0"/>
-              <a:t>24/03/2025</a:t>
+              <a:t>04/06/2024</a:t>
             </a:fld>
             <a:endParaRPr lang="en-IE"/>
           </a:p>
@@ -2691,7 +3172,7 @@
           <a:p>
             <a:fld id="{F85EC373-F805-4A08-883B-933392D111E4}" type="datetimeFigureOut">
               <a:rPr lang="en-IE" smtClean="0"/>
-              <a:t>24/03/2025</a:t>
+              <a:t>04/06/2024</a:t>
             </a:fld>
             <a:endParaRPr lang="en-IE"/>
           </a:p>
@@ -2934,7 +3415,7 @@
           <a:p>
             <a:fld id="{F85EC373-F805-4A08-883B-933392D111E4}" type="datetimeFigureOut">
               <a:rPr lang="en-IE" smtClean="0"/>
-              <a:t>24/03/2025</a:t>
+              <a:t>04/06/2024</a:t>
             </a:fld>
             <a:endParaRPr lang="en-IE"/>
           </a:p>
@@ -3374,7 +3855,7 @@
           <a:p>
             <a:r>
               <a:rPr lang="en-IE" dirty="0"/>
-              <a:t>Typescript(</a:t>
+              <a:t>A Short Typescript(</a:t>
             </a:r>
             <a:r>
               <a:rPr lang="en-IE" dirty="0" err="1"/>
@@ -3519,6 +4000,12 @@
             </a:r>
           </a:p>
           <a:p>
+            <a:r>
+              <a:rPr lang="en-IE" dirty="0"/>
+              <a:t>Array methods</a:t>
+            </a:r>
+          </a:p>
+          <a:p>
             <a:endParaRPr lang="en-IE" dirty="0"/>
           </a:p>
         </p:txBody>
@@ -3553,6 +4040,36 @@
           <a:chExt cx="0" cy="0"/>
         </a:xfrm>
       </p:grpSpPr>
+      <p:pic>
+        <p:nvPicPr>
+          <p:cNvPr id="10" name="Picture 9">
+            <a:extLst>
+              <a:ext uri="{FF2B5EF4-FFF2-40B4-BE49-F238E27FC236}">
+                <a16:creationId xmlns:a16="http://schemas.microsoft.com/office/drawing/2014/main" id="{D33B2DA5-2881-2418-057A-2B7E7BB592E5}"/>
+              </a:ext>
+            </a:extLst>
+          </p:cNvPr>
+          <p:cNvPicPr>
+            <a:picLocks noChangeAspect="1"/>
+          </p:cNvPicPr>
+          <p:nvPr/>
+        </p:nvPicPr>
+        <p:blipFill>
+          <a:blip r:embed="rId3"/>
+          <a:stretch>
+            <a:fillRect/>
+          </a:stretch>
+        </p:blipFill>
+        <p:spPr>
+          <a:xfrm>
+            <a:off x="5635095" y="3238976"/>
+            <a:ext cx="6709305" cy="1964677"/>
+          </a:xfrm>
+          <a:prstGeom prst="rect">
+            <a:avLst/>
+          </a:prstGeom>
+        </p:spPr>
+      </p:pic>
       <p:sp>
         <p:nvSpPr>
           <p:cNvPr id="2" name="Title 1">
@@ -3652,7 +4169,7 @@
           <p:nvPr/>
         </p:nvPicPr>
         <p:blipFill>
-          <a:blip r:embed="rId2"/>
+          <a:blip r:embed="rId4"/>
           <a:stretch>
             <a:fillRect/>
           </a:stretch>
@@ -3667,36 +4184,614 @@
           </a:prstGeom>
         </p:spPr>
       </p:pic>
-      <p:pic>
-        <p:nvPicPr>
-          <p:cNvPr id="7" name="Picture 6">
-            <a:extLst>
-              <a:ext uri="{FF2B5EF4-FFF2-40B4-BE49-F238E27FC236}">
-                <a16:creationId xmlns:a16="http://schemas.microsoft.com/office/drawing/2014/main" id="{44ECF1F3-B1F5-34E0-6D31-4645F5B4F8EA}"/>
-              </a:ext>
-            </a:extLst>
-          </p:cNvPr>
-          <p:cNvPicPr>
-            <a:picLocks noChangeAspect="1"/>
-          </p:cNvPicPr>
+      <p:sp>
+        <p:nvSpPr>
+          <p:cNvPr id="4" name="Callout: Line 3">
+            <a:extLst>
+              <a:ext uri="{FF2B5EF4-FFF2-40B4-BE49-F238E27FC236}">
+                <a16:creationId xmlns:a16="http://schemas.microsoft.com/office/drawing/2014/main" id="{32B40F1B-5637-CAE0-8B87-D423641E659C}"/>
+              </a:ext>
+            </a:extLst>
+          </p:cNvPr>
+          <p:cNvSpPr/>
           <p:nvPr/>
-        </p:nvPicPr>
-        <p:blipFill>
-          <a:blip r:embed="rId3"/>
-          <a:stretch>
-            <a:fillRect/>
-          </a:stretch>
-        </p:blipFill>
+        </p:nvSpPr>
         <p:spPr>
           <a:xfrm>
-            <a:off x="5620103" y="3181123"/>
-            <a:ext cx="6571897" cy="1780689"/>
+            <a:off x="7267074" y="5739063"/>
+            <a:ext cx="3759868" cy="854242"/>
+          </a:xfrm>
+          <a:prstGeom prst="borderCallout1">
+            <a:avLst>
+              <a:gd name="adj1" fmla="val -10827"/>
+              <a:gd name="adj2" fmla="val 46387"/>
+              <a:gd name="adj3" fmla="val -122712"/>
+              <a:gd name="adj4" fmla="val 24937"/>
+            </a:avLst>
+          </a:prstGeom>
+          <a:ln>
+            <a:solidFill>
+              <a:schemeClr val="accent2"/>
+            </a:solidFill>
+          </a:ln>
+        </p:spPr>
+        <p:style>
+          <a:lnRef idx="2">
+            <a:schemeClr val="accent1">
+              <a:shade val="15000"/>
+            </a:schemeClr>
+          </a:lnRef>
+          <a:fillRef idx="1">
+            <a:schemeClr val="accent1"/>
+          </a:fillRef>
+          <a:effectRef idx="0">
+            <a:schemeClr val="accent1"/>
+          </a:effectRef>
+          <a:fontRef idx="minor">
+            <a:schemeClr val="lt1"/>
+          </a:fontRef>
+        </p:style>
+        <p:txBody>
+          <a:bodyPr rtlCol="0" anchor="ctr"/>
+          <a:lstStyle/>
+          <a:p>
+            <a:pPr algn="ctr"/>
+            <a:r>
+              <a:rPr lang="en-IE" dirty="0"/>
+              <a:t>Template Literal. A way of </a:t>
+            </a:r>
+            <a:r>
+              <a:rPr lang="en-GB" dirty="0"/>
+              <a:t>output variables in the string</a:t>
+            </a:r>
+            <a:endParaRPr lang="en-IE" dirty="0"/>
+          </a:p>
+        </p:txBody>
+      </p:sp>
+      <p:sp>
+        <p:nvSpPr>
+          <p:cNvPr id="6" name="Rectangle 1">
+            <a:extLst>
+              <a:ext uri="{FF2B5EF4-FFF2-40B4-BE49-F238E27FC236}">
+                <a16:creationId xmlns:a16="http://schemas.microsoft.com/office/drawing/2014/main" id="{C4ED0602-1415-4829-5624-B7AD9C12D30B}"/>
+              </a:ext>
+            </a:extLst>
+          </p:cNvPr>
+          <p:cNvSpPr>
+            <a:spLocks noChangeArrowheads="1"/>
+          </p:cNvSpPr>
+          <p:nvPr/>
+        </p:nvSpPr>
+        <p:spPr bwMode="auto">
+          <a:xfrm>
+            <a:off x="0" y="0"/>
+            <a:ext cx="12192000" cy="0"/>
           </a:xfrm>
           <a:prstGeom prst="rect">
             <a:avLst/>
           </a:prstGeom>
+          <a:noFill/>
+          <a:ln>
+            <a:noFill/>
+          </a:ln>
+          <a:effectLst/>
+          <a:extLst>
+            <a:ext uri="{909E8E84-426E-40DD-AFC4-6F175D3DCCD1}">
+              <a14:hiddenFill xmlns:a14="http://schemas.microsoft.com/office/drawing/2010/main">
+                <a:solidFill>
+                  <a:schemeClr val="accent1"/>
+                </a:solidFill>
+              </a14:hiddenFill>
+            </a:ext>
+            <a:ext uri="{91240B29-F687-4F45-9708-019B960494DF}">
+              <a14:hiddenLine xmlns:a14="http://schemas.microsoft.com/office/drawing/2010/main" w="9525">
+                <a:solidFill>
+                  <a:schemeClr val="tx1"/>
+                </a:solidFill>
+                <a:miter lim="800000"/>
+                <a:headEnd/>
+                <a:tailEnd/>
+              </a14:hiddenLine>
+            </a:ext>
+            <a:ext uri="{AF507438-7753-43E0-B8FC-AC1667EBCBE1}">
+              <a14:hiddenEffects xmlns:a14="http://schemas.microsoft.com/office/drawing/2010/main">
+                <a:effectLst>
+                  <a:outerShdw dist="35921" dir="2700000" algn="ctr" rotWithShape="0">
+                    <a:schemeClr val="bg2"/>
+                  </a:outerShdw>
+                </a:effectLst>
+              </a14:hiddenEffects>
+            </a:ext>
+          </a:extLst>
         </p:spPr>
-      </p:pic>
+        <p:txBody>
+          <a:bodyPr vert="horz" wrap="none" lIns="91440" tIns="45720" rIns="91440" bIns="45720" numCol="1" anchor="ctr" anchorCtr="0" compatLnSpc="1">
+            <a:prstTxWarp prst="textNoShape">
+              <a:avLst/>
+            </a:prstTxWarp>
+            <a:spAutoFit/>
+          </a:bodyPr>
+          <a:lstStyle>
+            <a:lvl1pPr eaLnBrk="0" fontAlgn="base" hangingPunct="0">
+              <a:spcBef>
+                <a:spcPct val="0"/>
+              </a:spcBef>
+              <a:spcAft>
+                <a:spcPct val="0"/>
+              </a:spcAft>
+              <a:defRPr>
+                <a:solidFill>
+                  <a:schemeClr val="tx1"/>
+                </a:solidFill>
+                <a:latin typeface="Arial" panose="020B0604020202020204" pitchFamily="34" charset="0"/>
+              </a:defRPr>
+            </a:lvl1pPr>
+            <a:lvl2pPr eaLnBrk="0" fontAlgn="base" hangingPunct="0">
+              <a:spcBef>
+                <a:spcPct val="0"/>
+              </a:spcBef>
+              <a:spcAft>
+                <a:spcPct val="0"/>
+              </a:spcAft>
+              <a:defRPr>
+                <a:solidFill>
+                  <a:schemeClr val="tx1"/>
+                </a:solidFill>
+                <a:latin typeface="Arial" panose="020B0604020202020204" pitchFamily="34" charset="0"/>
+              </a:defRPr>
+            </a:lvl2pPr>
+            <a:lvl3pPr eaLnBrk="0" fontAlgn="base" hangingPunct="0">
+              <a:spcBef>
+                <a:spcPct val="0"/>
+              </a:spcBef>
+              <a:spcAft>
+                <a:spcPct val="0"/>
+              </a:spcAft>
+              <a:defRPr>
+                <a:solidFill>
+                  <a:schemeClr val="tx1"/>
+                </a:solidFill>
+                <a:latin typeface="Arial" panose="020B0604020202020204" pitchFamily="34" charset="0"/>
+              </a:defRPr>
+            </a:lvl3pPr>
+            <a:lvl4pPr eaLnBrk="0" fontAlgn="base" hangingPunct="0">
+              <a:spcBef>
+                <a:spcPct val="0"/>
+              </a:spcBef>
+              <a:spcAft>
+                <a:spcPct val="0"/>
+              </a:spcAft>
+              <a:defRPr>
+                <a:solidFill>
+                  <a:schemeClr val="tx1"/>
+                </a:solidFill>
+                <a:latin typeface="Arial" panose="020B0604020202020204" pitchFamily="34" charset="0"/>
+              </a:defRPr>
+            </a:lvl4pPr>
+            <a:lvl5pPr eaLnBrk="0" fontAlgn="base" hangingPunct="0">
+              <a:spcBef>
+                <a:spcPct val="0"/>
+              </a:spcBef>
+              <a:spcAft>
+                <a:spcPct val="0"/>
+              </a:spcAft>
+              <a:defRPr>
+                <a:solidFill>
+                  <a:schemeClr val="tx1"/>
+                </a:solidFill>
+                <a:latin typeface="Arial" panose="020B0604020202020204" pitchFamily="34" charset="0"/>
+              </a:defRPr>
+            </a:lvl5pPr>
+            <a:lvl6pPr eaLnBrk="0" fontAlgn="base" hangingPunct="0">
+              <a:spcBef>
+                <a:spcPct val="0"/>
+              </a:spcBef>
+              <a:spcAft>
+                <a:spcPct val="0"/>
+              </a:spcAft>
+              <a:defRPr>
+                <a:solidFill>
+                  <a:schemeClr val="tx1"/>
+                </a:solidFill>
+                <a:latin typeface="Arial" panose="020B0604020202020204" pitchFamily="34" charset="0"/>
+              </a:defRPr>
+            </a:lvl6pPr>
+            <a:lvl7pPr eaLnBrk="0" fontAlgn="base" hangingPunct="0">
+              <a:spcBef>
+                <a:spcPct val="0"/>
+              </a:spcBef>
+              <a:spcAft>
+                <a:spcPct val="0"/>
+              </a:spcAft>
+              <a:defRPr>
+                <a:solidFill>
+                  <a:schemeClr val="tx1"/>
+                </a:solidFill>
+                <a:latin typeface="Arial" panose="020B0604020202020204" pitchFamily="34" charset="0"/>
+              </a:defRPr>
+            </a:lvl7pPr>
+            <a:lvl8pPr eaLnBrk="0" fontAlgn="base" hangingPunct="0">
+              <a:spcBef>
+                <a:spcPct val="0"/>
+              </a:spcBef>
+              <a:spcAft>
+                <a:spcPct val="0"/>
+              </a:spcAft>
+              <a:defRPr>
+                <a:solidFill>
+                  <a:schemeClr val="tx1"/>
+                </a:solidFill>
+                <a:latin typeface="Arial" panose="020B0604020202020204" pitchFamily="34" charset="0"/>
+              </a:defRPr>
+            </a:lvl8pPr>
+            <a:lvl9pPr eaLnBrk="0" fontAlgn="base" hangingPunct="0">
+              <a:spcBef>
+                <a:spcPct val="0"/>
+              </a:spcBef>
+              <a:spcAft>
+                <a:spcPct val="0"/>
+              </a:spcAft>
+              <a:defRPr>
+                <a:solidFill>
+                  <a:schemeClr val="tx1"/>
+                </a:solidFill>
+                <a:latin typeface="Arial" panose="020B0604020202020204" pitchFamily="34" charset="0"/>
+              </a:defRPr>
+            </a:lvl9pPr>
+          </a:lstStyle>
+          <a:p>
+            <a:pPr marL="0" marR="0" lvl="0" indent="0" algn="l" defTabSz="914400" rtl="0" eaLnBrk="0" fontAlgn="base" latinLnBrk="0" hangingPunct="0">
+              <a:lnSpc>
+                <a:spcPct val="100000"/>
+              </a:lnSpc>
+              <a:spcBef>
+                <a:spcPct val="0"/>
+              </a:spcBef>
+              <a:spcAft>
+                <a:spcPct val="0"/>
+              </a:spcAft>
+              <a:buClrTx/>
+              <a:buSzTx/>
+              <a:buFontTx/>
+              <a:buNone/>
+              <a:tabLst/>
+            </a:pPr>
+            <a:r>
+              <a:rPr kumimoji="0" lang="en-US" altLang="en-US" sz="900" b="0" i="0" u="none" strike="noStrike" cap="none" normalizeH="0" baseline="0">
+                <a:ln>
+                  <a:noFill/>
+                </a:ln>
+                <a:solidFill>
+                  <a:srgbClr val="CCCCCC"/>
+                </a:solidFill>
+                <a:effectLst/>
+                <a:latin typeface="Segoe WPC"/>
+              </a:rPr>
+              <a:t>The active selection you've provided, </a:t>
+            </a:r>
+            <a:r>
+              <a:rPr kumimoji="0" lang="en-US" altLang="en-US" sz="900" b="0" i="0" u="none" strike="noStrike" cap="none" normalizeH="0" baseline="0">
+                <a:ln>
+                  <a:noFill/>
+                </a:ln>
+                <a:solidFill>
+                  <a:schemeClr val="tx1"/>
+                </a:solidFill>
+                <a:effectLst/>
+                <a:latin typeface="var(--monaco-monospace-font)"/>
+              </a:rPr>
+              <a:t>${v1}</a:t>
+            </a:r>
+            <a:r>
+              <a:rPr kumimoji="0" lang="en-US" altLang="en-US" sz="900" b="0" i="0" u="none" strike="noStrike" cap="none" normalizeH="0" baseline="0">
+                <a:ln>
+                  <a:noFill/>
+                </a:ln>
+                <a:solidFill>
+                  <a:srgbClr val="CCCCCC"/>
+                </a:solidFill>
+                <a:effectLst/>
+                <a:latin typeface="Segoe WPC"/>
+              </a:rPr>
+              <a:t>, is a template literal in JavaScript and TypeScript</a:t>
+            </a:r>
+            <a:r>
+              <a:rPr kumimoji="0" lang="en-US" altLang="en-US" sz="500" b="0" i="0" u="none" strike="noStrike" cap="none" normalizeH="0" baseline="0">
+                <a:ln>
+                  <a:noFill/>
+                </a:ln>
+                <a:solidFill>
+                  <a:schemeClr val="tx1"/>
+                </a:solidFill>
+                <a:effectLst/>
+              </a:rPr>
+              <a:t> </a:t>
+            </a:r>
+            <a:endParaRPr kumimoji="0" lang="en-US" altLang="en-US" sz="1800" b="0" i="0" u="none" strike="noStrike" cap="none" normalizeH="0" baseline="0">
+              <a:ln>
+                <a:noFill/>
+              </a:ln>
+              <a:solidFill>
+                <a:schemeClr val="tx1"/>
+              </a:solidFill>
+              <a:effectLst/>
+              <a:latin typeface="Arial" panose="020B0604020202020204" pitchFamily="34" charset="0"/>
+            </a:endParaRPr>
+          </a:p>
+        </p:txBody>
+      </p:sp>
+      <p:sp>
+        <p:nvSpPr>
+          <p:cNvPr id="8" name="Rectangle 2">
+            <a:extLst>
+              <a:ext uri="{FF2B5EF4-FFF2-40B4-BE49-F238E27FC236}">
+                <a16:creationId xmlns:a16="http://schemas.microsoft.com/office/drawing/2014/main" id="{4227D1DD-7376-4701-407C-2E81A02E3727}"/>
+              </a:ext>
+            </a:extLst>
+          </p:cNvPr>
+          <p:cNvSpPr>
+            <a:spLocks noChangeArrowheads="1"/>
+          </p:cNvSpPr>
+          <p:nvPr/>
+        </p:nvSpPr>
+        <p:spPr bwMode="auto">
+          <a:xfrm>
+            <a:off x="152400" y="152400"/>
+            <a:ext cx="12192000" cy="0"/>
+          </a:xfrm>
+          <a:prstGeom prst="rect">
+            <a:avLst/>
+          </a:prstGeom>
+          <a:noFill/>
+          <a:ln>
+            <a:noFill/>
+          </a:ln>
+          <a:effectLst/>
+          <a:extLst>
+            <a:ext uri="{909E8E84-426E-40DD-AFC4-6F175D3DCCD1}">
+              <a14:hiddenFill xmlns:a14="http://schemas.microsoft.com/office/drawing/2010/main">
+                <a:solidFill>
+                  <a:schemeClr val="accent1"/>
+                </a:solidFill>
+              </a14:hiddenFill>
+            </a:ext>
+            <a:ext uri="{91240B29-F687-4F45-9708-019B960494DF}">
+              <a14:hiddenLine xmlns:a14="http://schemas.microsoft.com/office/drawing/2010/main" w="9525">
+                <a:solidFill>
+                  <a:schemeClr val="tx1"/>
+                </a:solidFill>
+                <a:miter lim="800000"/>
+                <a:headEnd/>
+                <a:tailEnd/>
+              </a14:hiddenLine>
+            </a:ext>
+            <a:ext uri="{AF507438-7753-43E0-B8FC-AC1667EBCBE1}">
+              <a14:hiddenEffects xmlns:a14="http://schemas.microsoft.com/office/drawing/2010/main">
+                <a:effectLst>
+                  <a:outerShdw dist="35921" dir="2700000" algn="ctr" rotWithShape="0">
+                    <a:schemeClr val="bg2"/>
+                  </a:outerShdw>
+                </a:effectLst>
+              </a14:hiddenEffects>
+            </a:ext>
+          </a:extLst>
+        </p:spPr>
+        <p:txBody>
+          <a:bodyPr vert="horz" wrap="none" lIns="91440" tIns="45720" rIns="91440" bIns="45720" numCol="1" anchor="ctr" anchorCtr="0" compatLnSpc="1">
+            <a:prstTxWarp prst="textNoShape">
+              <a:avLst/>
+            </a:prstTxWarp>
+            <a:spAutoFit/>
+          </a:bodyPr>
+          <a:lstStyle>
+            <a:lvl1pPr eaLnBrk="0" fontAlgn="base" hangingPunct="0">
+              <a:spcBef>
+                <a:spcPct val="0"/>
+              </a:spcBef>
+              <a:spcAft>
+                <a:spcPct val="0"/>
+              </a:spcAft>
+              <a:defRPr>
+                <a:solidFill>
+                  <a:schemeClr val="tx1"/>
+                </a:solidFill>
+                <a:latin typeface="Arial" panose="020B0604020202020204" pitchFamily="34" charset="0"/>
+              </a:defRPr>
+            </a:lvl1pPr>
+            <a:lvl2pPr eaLnBrk="0" fontAlgn="base" hangingPunct="0">
+              <a:spcBef>
+                <a:spcPct val="0"/>
+              </a:spcBef>
+              <a:spcAft>
+                <a:spcPct val="0"/>
+              </a:spcAft>
+              <a:defRPr>
+                <a:solidFill>
+                  <a:schemeClr val="tx1"/>
+                </a:solidFill>
+                <a:latin typeface="Arial" panose="020B0604020202020204" pitchFamily="34" charset="0"/>
+              </a:defRPr>
+            </a:lvl2pPr>
+            <a:lvl3pPr eaLnBrk="0" fontAlgn="base" hangingPunct="0">
+              <a:spcBef>
+                <a:spcPct val="0"/>
+              </a:spcBef>
+              <a:spcAft>
+                <a:spcPct val="0"/>
+              </a:spcAft>
+              <a:defRPr>
+                <a:solidFill>
+                  <a:schemeClr val="tx1"/>
+                </a:solidFill>
+                <a:latin typeface="Arial" panose="020B0604020202020204" pitchFamily="34" charset="0"/>
+              </a:defRPr>
+            </a:lvl3pPr>
+            <a:lvl4pPr eaLnBrk="0" fontAlgn="base" hangingPunct="0">
+              <a:spcBef>
+                <a:spcPct val="0"/>
+              </a:spcBef>
+              <a:spcAft>
+                <a:spcPct val="0"/>
+              </a:spcAft>
+              <a:defRPr>
+                <a:solidFill>
+                  <a:schemeClr val="tx1"/>
+                </a:solidFill>
+                <a:latin typeface="Arial" panose="020B0604020202020204" pitchFamily="34" charset="0"/>
+              </a:defRPr>
+            </a:lvl4pPr>
+            <a:lvl5pPr eaLnBrk="0" fontAlgn="base" hangingPunct="0">
+              <a:spcBef>
+                <a:spcPct val="0"/>
+              </a:spcBef>
+              <a:spcAft>
+                <a:spcPct val="0"/>
+              </a:spcAft>
+              <a:defRPr>
+                <a:solidFill>
+                  <a:schemeClr val="tx1"/>
+                </a:solidFill>
+                <a:latin typeface="Arial" panose="020B0604020202020204" pitchFamily="34" charset="0"/>
+              </a:defRPr>
+            </a:lvl5pPr>
+            <a:lvl6pPr eaLnBrk="0" fontAlgn="base" hangingPunct="0">
+              <a:spcBef>
+                <a:spcPct val="0"/>
+              </a:spcBef>
+              <a:spcAft>
+                <a:spcPct val="0"/>
+              </a:spcAft>
+              <a:defRPr>
+                <a:solidFill>
+                  <a:schemeClr val="tx1"/>
+                </a:solidFill>
+                <a:latin typeface="Arial" panose="020B0604020202020204" pitchFamily="34" charset="0"/>
+              </a:defRPr>
+            </a:lvl6pPr>
+            <a:lvl7pPr eaLnBrk="0" fontAlgn="base" hangingPunct="0">
+              <a:spcBef>
+                <a:spcPct val="0"/>
+              </a:spcBef>
+              <a:spcAft>
+                <a:spcPct val="0"/>
+              </a:spcAft>
+              <a:defRPr>
+                <a:solidFill>
+                  <a:schemeClr val="tx1"/>
+                </a:solidFill>
+                <a:latin typeface="Arial" panose="020B0604020202020204" pitchFamily="34" charset="0"/>
+              </a:defRPr>
+            </a:lvl7pPr>
+            <a:lvl8pPr eaLnBrk="0" fontAlgn="base" hangingPunct="0">
+              <a:spcBef>
+                <a:spcPct val="0"/>
+              </a:spcBef>
+              <a:spcAft>
+                <a:spcPct val="0"/>
+              </a:spcAft>
+              <a:defRPr>
+                <a:solidFill>
+                  <a:schemeClr val="tx1"/>
+                </a:solidFill>
+                <a:latin typeface="Arial" panose="020B0604020202020204" pitchFamily="34" charset="0"/>
+              </a:defRPr>
+            </a:lvl8pPr>
+            <a:lvl9pPr eaLnBrk="0" fontAlgn="base" hangingPunct="0">
+              <a:spcBef>
+                <a:spcPct val="0"/>
+              </a:spcBef>
+              <a:spcAft>
+                <a:spcPct val="0"/>
+              </a:spcAft>
+              <a:defRPr>
+                <a:solidFill>
+                  <a:schemeClr val="tx1"/>
+                </a:solidFill>
+                <a:latin typeface="Arial" panose="020B0604020202020204" pitchFamily="34" charset="0"/>
+              </a:defRPr>
+            </a:lvl9pPr>
+          </a:lstStyle>
+          <a:p>
+            <a:pPr marL="0" marR="0" lvl="0" indent="0" algn="l" defTabSz="914400" rtl="0" eaLnBrk="0" fontAlgn="base" latinLnBrk="0" hangingPunct="0">
+              <a:lnSpc>
+                <a:spcPct val="100000"/>
+              </a:lnSpc>
+              <a:spcBef>
+                <a:spcPct val="0"/>
+              </a:spcBef>
+              <a:spcAft>
+                <a:spcPct val="0"/>
+              </a:spcAft>
+              <a:buClrTx/>
+              <a:buSzTx/>
+              <a:buFontTx/>
+              <a:buNone/>
+              <a:tabLst/>
+            </a:pPr>
+            <a:r>
+              <a:rPr kumimoji="0" lang="en-US" altLang="en-US" sz="900" b="0" i="0" u="none" strike="noStrike" cap="none" normalizeH="0" baseline="0">
+                <a:ln>
+                  <a:noFill/>
+                </a:ln>
+                <a:solidFill>
+                  <a:srgbClr val="CCCCCC"/>
+                </a:solidFill>
+                <a:effectLst/>
+                <a:latin typeface="Segoe WPC"/>
+              </a:rPr>
+              <a:t>The active selection you've provided, </a:t>
+            </a:r>
+            <a:r>
+              <a:rPr kumimoji="0" lang="en-US" altLang="en-US" sz="900" b="0" i="0" u="none" strike="noStrike" cap="none" normalizeH="0" baseline="0">
+                <a:ln>
+                  <a:noFill/>
+                </a:ln>
+                <a:solidFill>
+                  <a:schemeClr val="tx1"/>
+                </a:solidFill>
+                <a:effectLst/>
+                <a:latin typeface="var(--monaco-monospace-font)"/>
+              </a:rPr>
+              <a:t>${v1}</a:t>
+            </a:r>
+            <a:r>
+              <a:rPr kumimoji="0" lang="en-US" altLang="en-US" sz="900" b="0" i="0" u="none" strike="noStrike" cap="none" normalizeH="0" baseline="0">
+                <a:ln>
+                  <a:noFill/>
+                </a:ln>
+                <a:solidFill>
+                  <a:srgbClr val="CCCCCC"/>
+                </a:solidFill>
+                <a:effectLst/>
+                <a:latin typeface="Segoe WPC"/>
+              </a:rPr>
+              <a:t>, is a template literal in JavaScript and TypeScript</a:t>
+            </a:r>
+            <a:r>
+              <a:rPr kumimoji="0" lang="en-US" altLang="en-US" sz="500" b="0" i="0" u="none" strike="noStrike" cap="none" normalizeH="0" baseline="0">
+                <a:ln>
+                  <a:noFill/>
+                </a:ln>
+                <a:solidFill>
+                  <a:schemeClr val="tx1"/>
+                </a:solidFill>
+                <a:effectLst/>
+              </a:rPr>
+              <a:t> </a:t>
+            </a:r>
+            <a:endParaRPr kumimoji="0" lang="en-US" altLang="en-US" sz="1800" b="0" i="0" u="none" strike="noStrike" cap="none" normalizeH="0" baseline="0">
+              <a:ln>
+                <a:noFill/>
+              </a:ln>
+              <a:solidFill>
+                <a:schemeClr val="tx1"/>
+              </a:solidFill>
+              <a:effectLst/>
+              <a:latin typeface="Arial" panose="020B0604020202020204" pitchFamily="34" charset="0"/>
+            </a:endParaRPr>
+          </a:p>
+        </p:txBody>
+      </p:sp>
     </p:spTree>
     <p:extLst>
       <p:ext uri="{BB962C8B-B14F-4D97-AF65-F5344CB8AC3E}">
@@ -3815,88 +4910,46 @@
               <a:buNone/>
             </a:pPr>
             <a:r>
-              <a:rPr lang="en-GB" dirty="0"/>
+              <a:rPr lang="en-GB" dirty="0">
+                <a:latin typeface="Courier New" panose="02070309020205020404" pitchFamily="49" charset="0"/>
+                <a:cs typeface="Courier New" panose="02070309020205020404" pitchFamily="49" charset="0"/>
+              </a:rPr>
               <a:t>…</a:t>
             </a:r>
             <a:r>
-              <a:rPr lang="en-GB" dirty="0" err="1"/>
+              <a:rPr lang="en-GB" dirty="0" err="1">
+                <a:latin typeface="Courier New" panose="02070309020205020404" pitchFamily="49" charset="0"/>
+                <a:cs typeface="Courier New" panose="02070309020205020404" pitchFamily="49" charset="0"/>
+              </a:rPr>
               <a:t>arrayRef</a:t>
             </a:r>
             <a:br>
-              <a:rPr lang="en-GB" dirty="0"/>
+              <a:rPr lang="en-GB" dirty="0">
+                <a:latin typeface="Courier New" panose="02070309020205020404" pitchFamily="49" charset="0"/>
+                <a:cs typeface="Courier New" panose="02070309020205020404" pitchFamily="49" charset="0"/>
+              </a:rPr>
             </a:br>
             <a:r>
-              <a:rPr lang="en-GB" dirty="0"/>
+              <a:rPr lang="en-GB" dirty="0">
+                <a:latin typeface="Courier New" panose="02070309020205020404" pitchFamily="49" charset="0"/>
+                <a:cs typeface="Courier New" panose="02070309020205020404" pitchFamily="49" charset="0"/>
+              </a:rPr>
               <a:t>…</a:t>
             </a:r>
             <a:r>
-              <a:rPr lang="en-GB" dirty="0" err="1"/>
+              <a:rPr lang="en-GB" dirty="0" err="1">
+                <a:latin typeface="Courier New" panose="02070309020205020404" pitchFamily="49" charset="0"/>
+                <a:cs typeface="Courier New" panose="02070309020205020404" pitchFamily="49" charset="0"/>
+              </a:rPr>
               <a:t>objectRef</a:t>
             </a:r>
-            <a:endParaRPr lang="en-IE" dirty="0"/>
-          </a:p>
-        </p:txBody>
-      </p:sp>
-      <p:pic>
-        <p:nvPicPr>
-          <p:cNvPr id="6" name="Picture 5">
-            <a:extLst>
-              <a:ext uri="{FF2B5EF4-FFF2-40B4-BE49-F238E27FC236}">
-                <a16:creationId xmlns:a16="http://schemas.microsoft.com/office/drawing/2014/main" id="{D2F8F7DE-9D9C-AD78-6886-E552F7929C58}"/>
-              </a:ext>
-            </a:extLst>
-          </p:cNvPr>
-          <p:cNvPicPr>
-            <a:picLocks noChangeAspect="1"/>
-          </p:cNvPicPr>
-          <p:nvPr/>
-        </p:nvPicPr>
-        <p:blipFill>
-          <a:blip r:embed="rId2"/>
-          <a:stretch>
-            <a:fillRect/>
-          </a:stretch>
-        </p:blipFill>
-        <p:spPr>
-          <a:xfrm>
-            <a:off x="838200" y="4458300"/>
-            <a:ext cx="5226319" cy="1562180"/>
-          </a:xfrm>
-          <a:prstGeom prst="rect">
-            <a:avLst/>
-          </a:prstGeom>
-        </p:spPr>
-      </p:pic>
-      <p:pic>
-        <p:nvPicPr>
-          <p:cNvPr id="9" name="Picture 8">
-            <a:extLst>
-              <a:ext uri="{FF2B5EF4-FFF2-40B4-BE49-F238E27FC236}">
-                <a16:creationId xmlns:a16="http://schemas.microsoft.com/office/drawing/2014/main" id="{D7E535E7-657C-EA65-BDE7-ADA4B6681F95}"/>
-              </a:ext>
-            </a:extLst>
-          </p:cNvPr>
-          <p:cNvPicPr>
-            <a:picLocks noChangeAspect="1"/>
-          </p:cNvPicPr>
-          <p:nvPr/>
-        </p:nvPicPr>
-        <p:blipFill>
-          <a:blip r:embed="rId3"/>
-          <a:stretch>
-            <a:fillRect/>
-          </a:stretch>
-        </p:blipFill>
-        <p:spPr>
-          <a:xfrm>
-            <a:off x="7190862" y="3817420"/>
-            <a:ext cx="3321221" cy="2267067"/>
-          </a:xfrm>
-          <a:prstGeom prst="rect">
-            <a:avLst/>
-          </a:prstGeom>
-        </p:spPr>
-      </p:pic>
+            <a:endParaRPr lang="en-IE" dirty="0">
+              <a:latin typeface="Courier New" panose="02070309020205020404" pitchFamily="49" charset="0"/>
+              <a:cs typeface="Courier New" panose="02070309020205020404" pitchFamily="49" charset="0"/>
+            </a:endParaRPr>
+          </a:p>
+        </p:txBody>
+      </p:sp>
     </p:spTree>
     <p:extLst>
       <p:ext uri="{BB962C8B-B14F-4D97-AF65-F5344CB8AC3E}">
@@ -3988,6 +5041,221 @@
     <p:extLst>
       <p:ext uri="{BB962C8B-B14F-4D97-AF65-F5344CB8AC3E}">
         <p14:creationId xmlns:p14="http://schemas.microsoft.com/office/powerpoint/2010/main" val="1416145302"/>
+      </p:ext>
+    </p:extLst>
+  </p:cSld>
+  <p:clrMapOvr>
+    <a:masterClrMapping/>
+  </p:clrMapOvr>
+</p:sld>
+</file>
+
+<file path=ppt/slides/slide6.xml><?xml version="1.0" encoding="utf-8"?>
+<p:sld xmlns:a="http://schemas.openxmlformats.org/drawingml/2006/main" xmlns:r="http://schemas.openxmlformats.org/officeDocument/2006/relationships" xmlns:p="http://schemas.openxmlformats.org/presentationml/2006/main">
+  <p:cSld>
+    <p:spTree>
+      <p:nvGrpSpPr>
+        <p:cNvPr id="1" name=""/>
+        <p:cNvGrpSpPr/>
+        <p:nvPr/>
+      </p:nvGrpSpPr>
+      <p:grpSpPr>
+        <a:xfrm>
+          <a:off x="0" y="0"/>
+          <a:ext cx="0" cy="0"/>
+          <a:chOff x="0" y="0"/>
+          <a:chExt cx="0" cy="0"/>
+        </a:xfrm>
+      </p:grpSpPr>
+      <p:sp>
+        <p:nvSpPr>
+          <p:cNvPr id="2" name="Title 1">
+            <a:extLst>
+              <a:ext uri="{FF2B5EF4-FFF2-40B4-BE49-F238E27FC236}">
+                <a16:creationId xmlns:a16="http://schemas.microsoft.com/office/drawing/2014/main" id="{B116F657-FC22-36E7-F346-45093D974C9A}"/>
+              </a:ext>
+            </a:extLst>
+          </p:cNvPr>
+          <p:cNvSpPr>
+            <a:spLocks noGrp="1"/>
+          </p:cNvSpPr>
+          <p:nvPr>
+            <p:ph type="title"/>
+          </p:nvPr>
+        </p:nvSpPr>
+        <p:spPr/>
+        <p:txBody>
+          <a:bodyPr/>
+          <a:lstStyle/>
+          <a:p>
+            <a:r>
+              <a:rPr lang="en-IE" dirty="0"/>
+              <a:t>Array Methods</a:t>
+            </a:r>
+          </a:p>
+        </p:txBody>
+      </p:sp>
+      <p:sp>
+        <p:nvSpPr>
+          <p:cNvPr id="3" name="Content Placeholder 2">
+            <a:extLst>
+              <a:ext uri="{FF2B5EF4-FFF2-40B4-BE49-F238E27FC236}">
+                <a16:creationId xmlns:a16="http://schemas.microsoft.com/office/drawing/2014/main" id="{0C87EB73-CCC0-6235-0C42-641A4FDEC654}"/>
+              </a:ext>
+            </a:extLst>
+          </p:cNvPr>
+          <p:cNvSpPr>
+            <a:spLocks noGrp="1"/>
+          </p:cNvSpPr>
+          <p:nvPr>
+            <p:ph idx="1"/>
+          </p:nvPr>
+        </p:nvSpPr>
+        <p:spPr/>
+        <p:txBody>
+          <a:bodyPr>
+            <a:normAutofit lnSpcReduction="10000"/>
+          </a:bodyPr>
+          <a:lstStyle/>
+          <a:p>
+            <a:r>
+              <a:rPr lang="en-IE" dirty="0"/>
+              <a:t>find(…) r</a:t>
+            </a:r>
+            <a:r>
+              <a:rPr lang="en-GB" dirty="0" err="1"/>
+              <a:t>eturns</a:t>
+            </a:r>
+            <a:r>
+              <a:rPr lang="en-GB" dirty="0"/>
+              <a:t> the value of the first element in the array where predicate is true, undefined otherwise.</a:t>
+            </a:r>
+          </a:p>
+          <a:p>
+            <a:endParaRPr lang="en-IE" dirty="0"/>
+          </a:p>
+          <a:p>
+            <a:endParaRPr lang="en-IE" dirty="0"/>
+          </a:p>
+          <a:p>
+            <a:r>
+              <a:rPr lang="en-IE" dirty="0"/>
+              <a:t>map(…) </a:t>
+            </a:r>
+            <a:r>
+              <a:rPr lang="en-GB" dirty="0"/>
+              <a:t>executes a callback function on each element of an array, and returns an array that contains the results.</a:t>
+            </a:r>
+          </a:p>
+          <a:p>
+            <a:endParaRPr lang="en-GB" dirty="0"/>
+          </a:p>
+          <a:p>
+            <a:endParaRPr lang="en-GB" dirty="0"/>
+          </a:p>
+          <a:p>
+            <a:r>
+              <a:rPr lang="en-GB" dirty="0"/>
+              <a:t>Filter(…) returns the elements of an array that meet the condition specified in a callback function.</a:t>
+            </a:r>
+            <a:endParaRPr lang="en-IE" dirty="0"/>
+          </a:p>
+        </p:txBody>
+      </p:sp>
+      <p:pic>
+        <p:nvPicPr>
+          <p:cNvPr id="5" name="Picture 4">
+            <a:extLst>
+              <a:ext uri="{FF2B5EF4-FFF2-40B4-BE49-F238E27FC236}">
+                <a16:creationId xmlns:a16="http://schemas.microsoft.com/office/drawing/2014/main" id="{B1984BF9-1D9E-8CD3-240C-80317050FD8C}"/>
+              </a:ext>
+            </a:extLst>
+          </p:cNvPr>
+          <p:cNvPicPr>
+            <a:picLocks noChangeAspect="1"/>
+          </p:cNvPicPr>
+          <p:nvPr/>
+        </p:nvPicPr>
+        <p:blipFill>
+          <a:blip r:embed="rId2"/>
+          <a:stretch>
+            <a:fillRect/>
+          </a:stretch>
+        </p:blipFill>
+        <p:spPr>
+          <a:xfrm>
+            <a:off x="995172" y="2647841"/>
+            <a:ext cx="5574242" cy="781159"/>
+          </a:xfrm>
+          <a:prstGeom prst="rect">
+            <a:avLst/>
+          </a:prstGeom>
+        </p:spPr>
+      </p:pic>
+      <p:pic>
+        <p:nvPicPr>
+          <p:cNvPr id="7" name="Picture 6">
+            <a:extLst>
+              <a:ext uri="{FF2B5EF4-FFF2-40B4-BE49-F238E27FC236}">
+                <a16:creationId xmlns:a16="http://schemas.microsoft.com/office/drawing/2014/main" id="{52E30272-04B9-BC64-9BE7-8D89605FC78C}"/>
+              </a:ext>
+            </a:extLst>
+          </p:cNvPr>
+          <p:cNvPicPr>
+            <a:picLocks noChangeAspect="1"/>
+          </p:cNvPicPr>
+          <p:nvPr/>
+        </p:nvPicPr>
+        <p:blipFill>
+          <a:blip r:embed="rId3"/>
+          <a:stretch>
+            <a:fillRect/>
+          </a:stretch>
+        </p:blipFill>
+        <p:spPr>
+          <a:xfrm>
+            <a:off x="995172" y="4571193"/>
+            <a:ext cx="7456822" cy="733623"/>
+          </a:xfrm>
+          <a:prstGeom prst="rect">
+            <a:avLst/>
+          </a:prstGeom>
+        </p:spPr>
+      </p:pic>
+      <p:pic>
+        <p:nvPicPr>
+          <p:cNvPr id="9" name="Picture 8">
+            <a:extLst>
+              <a:ext uri="{FF2B5EF4-FFF2-40B4-BE49-F238E27FC236}">
+                <a16:creationId xmlns:a16="http://schemas.microsoft.com/office/drawing/2014/main" id="{1662FC55-67F1-9E48-D532-B11228D77F57}"/>
+              </a:ext>
+            </a:extLst>
+          </p:cNvPr>
+          <p:cNvPicPr>
+            <a:picLocks noChangeAspect="1"/>
+          </p:cNvPicPr>
+          <p:nvPr/>
+        </p:nvPicPr>
+        <p:blipFill>
+          <a:blip r:embed="rId4"/>
+          <a:stretch>
+            <a:fillRect/>
+          </a:stretch>
+        </p:blipFill>
+        <p:spPr>
+          <a:xfrm>
+            <a:off x="923002" y="6003518"/>
+            <a:ext cx="4912487" cy="733623"/>
+          </a:xfrm>
+          <a:prstGeom prst="rect">
+            <a:avLst/>
+          </a:prstGeom>
+        </p:spPr>
+      </p:pic>
+    </p:spTree>
+    <p:extLst>
+      <p:ext uri="{BB962C8B-B14F-4D97-AF65-F5344CB8AC3E}">
+        <p14:creationId xmlns:p14="http://schemas.microsoft.com/office/powerpoint/2010/main" val="3391715149"/>
       </p:ext>
     </p:extLst>
   </p:cSld>
@@ -4310,4 +5578,319 @@
     </a:ext>
   </a:extLst>
 </a:theme>
+</file>
+
+<file path=ppt/theme/theme2.xml><?xml version="1.0" encoding="utf-8"?>
+<a:theme xmlns:a="http://schemas.openxmlformats.org/drawingml/2006/main" name="Office Theme">
+  <a:themeElements>
+    <a:clrScheme name="Office">
+      <a:dk1>
+        <a:sysClr val="windowText" lastClr="000000"/>
+      </a:dk1>
+      <a:lt1>
+        <a:sysClr val="window" lastClr="FFFFFF"/>
+      </a:lt1>
+      <a:dk2>
+        <a:srgbClr val="0E2841"/>
+      </a:dk2>
+      <a:lt2>
+        <a:srgbClr val="E8E8E8"/>
+      </a:lt2>
+      <a:accent1>
+        <a:srgbClr val="156082"/>
+      </a:accent1>
+      <a:accent2>
+        <a:srgbClr val="E97132"/>
+      </a:accent2>
+      <a:accent3>
+        <a:srgbClr val="196B24"/>
+      </a:accent3>
+      <a:accent4>
+        <a:srgbClr val="0F9ED5"/>
+      </a:accent4>
+      <a:accent5>
+        <a:srgbClr val="A02B93"/>
+      </a:accent5>
+      <a:accent6>
+        <a:srgbClr val="4EA72E"/>
+      </a:accent6>
+      <a:hlink>
+        <a:srgbClr val="467886"/>
+      </a:hlink>
+      <a:folHlink>
+        <a:srgbClr val="96607D"/>
+      </a:folHlink>
+    </a:clrScheme>
+    <a:fontScheme name="Office">
+      <a:majorFont>
+        <a:latin typeface="Aptos Display" panose="02110004020202020204"/>
+        <a:ea typeface=""/>
+        <a:cs typeface=""/>
+        <a:font script="Jpan" typeface="游ゴシック Light"/>
+        <a:font script="Hang" typeface="맑은 고딕"/>
+        <a:font script="Hans" typeface="等线 Light"/>
+        <a:font script="Hant" typeface="新細明體"/>
+        <a:font script="Arab" typeface="Times New Roman"/>
+        <a:font script="Hebr" typeface="Times New Roman"/>
+        <a:font script="Thai" typeface="Angsana New"/>
+        <a:font script="Ethi" typeface="Nyala"/>
+        <a:font script="Beng" typeface="Vrinda"/>
+        <a:font script="Gujr" typeface="Shruti"/>
+        <a:font script="Khmr" typeface="MoolBoran"/>
+        <a:font script="Knda" typeface="Tunga"/>
+        <a:font script="Guru" typeface="Raavi"/>
+        <a:font script="Cans" typeface="Euphemia"/>
+        <a:font script="Cher" typeface="Plantagenet Cherokee"/>
+        <a:font script="Yiii" typeface="Microsoft Yi Baiti"/>
+        <a:font script="Tibt" typeface="Microsoft Himalaya"/>
+        <a:font script="Thaa" typeface="MV Boli"/>
+        <a:font script="Deva" typeface="Mangal"/>
+        <a:font script="Telu" typeface="Gautami"/>
+        <a:font script="Taml" typeface="Latha"/>
+        <a:font script="Syrc" typeface="Estrangelo Edessa"/>
+        <a:font script="Orya" typeface="Kalinga"/>
+        <a:font script="Mlym" typeface="Kartika"/>
+        <a:font script="Laoo" typeface="DokChampa"/>
+        <a:font script="Sinh" typeface="Iskoola Pota"/>
+        <a:font script="Mong" typeface="Mongolian Baiti"/>
+        <a:font script="Viet" typeface="Times New Roman"/>
+        <a:font script="Uigh" typeface="Microsoft Uighur"/>
+        <a:font script="Geor" typeface="Sylfaen"/>
+        <a:font script="Armn" typeface="Arial"/>
+        <a:font script="Bugi" typeface="Leelawadee UI"/>
+        <a:font script="Bopo" typeface="Microsoft JhengHei"/>
+        <a:font script="Java" typeface="Javanese Text"/>
+        <a:font script="Lisu" typeface="Segoe UI"/>
+        <a:font script="Mymr" typeface="Myanmar Text"/>
+        <a:font script="Nkoo" typeface="Ebrima"/>
+        <a:font script="Olck" typeface="Nirmala UI"/>
+        <a:font script="Osma" typeface="Ebrima"/>
+        <a:font script="Phag" typeface="Phagspa"/>
+        <a:font script="Syrn" typeface="Estrangelo Edessa"/>
+        <a:font script="Syrj" typeface="Estrangelo Edessa"/>
+        <a:font script="Syre" typeface="Estrangelo Edessa"/>
+        <a:font script="Sora" typeface="Nirmala UI"/>
+        <a:font script="Tale" typeface="Microsoft Tai Le"/>
+        <a:font script="Talu" typeface="Microsoft New Tai Lue"/>
+        <a:font script="Tfng" typeface="Ebrima"/>
+      </a:majorFont>
+      <a:minorFont>
+        <a:latin typeface="Aptos" panose="02110004020202020204"/>
+        <a:ea typeface=""/>
+        <a:cs typeface=""/>
+        <a:font script="Jpan" typeface="游ゴシック"/>
+        <a:font script="Hang" typeface="맑은 고딕"/>
+        <a:font script="Hans" typeface="等线"/>
+        <a:font script="Hant" typeface="新細明體"/>
+        <a:font script="Arab" typeface="Arial"/>
+        <a:font script="Hebr" typeface="Arial"/>
+        <a:font script="Thai" typeface="Cordia New"/>
+        <a:font script="Ethi" typeface="Nyala"/>
+        <a:font script="Beng" typeface="Vrinda"/>
+        <a:font script="Gujr" typeface="Shruti"/>
+        <a:font script="Khmr" typeface="DaunPenh"/>
+        <a:font script="Knda" typeface="Tunga"/>
+        <a:font script="Guru" typeface="Raavi"/>
+        <a:font script="Cans" typeface="Euphemia"/>
+        <a:font script="Cher" typeface="Plantagenet Cherokee"/>
+        <a:font script="Yiii" typeface="Microsoft Yi Baiti"/>
+        <a:font script="Tibt" typeface="Microsoft Himalaya"/>
+        <a:font script="Thaa" typeface="MV Boli"/>
+        <a:font script="Deva" typeface="Mangal"/>
+        <a:font script="Telu" typeface="Gautami"/>
+        <a:font script="Taml" typeface="Latha"/>
+        <a:font script="Syrc" typeface="Estrangelo Edessa"/>
+        <a:font script="Orya" typeface="Kalinga"/>
+        <a:font script="Mlym" typeface="Kartika"/>
+        <a:font script="Laoo" typeface="DokChampa"/>
+        <a:font script="Sinh" typeface="Iskoola Pota"/>
+        <a:font script="Mong" typeface="Mongolian Baiti"/>
+        <a:font script="Viet" typeface="Arial"/>
+        <a:font script="Uigh" typeface="Microsoft Uighur"/>
+        <a:font script="Geor" typeface="Sylfaen"/>
+        <a:font script="Armn" typeface="Arial"/>
+        <a:font script="Bugi" typeface="Leelawadee UI"/>
+        <a:font script="Bopo" typeface="Microsoft JhengHei"/>
+        <a:font script="Java" typeface="Javanese Text"/>
+        <a:font script="Lisu" typeface="Segoe UI"/>
+        <a:font script="Mymr" typeface="Myanmar Text"/>
+        <a:font script="Nkoo" typeface="Ebrima"/>
+        <a:font script="Olck" typeface="Nirmala UI"/>
+        <a:font script="Osma" typeface="Ebrima"/>
+        <a:font script="Phag" typeface="Phagspa"/>
+        <a:font script="Syrn" typeface="Estrangelo Edessa"/>
+        <a:font script="Syrj" typeface="Estrangelo Edessa"/>
+        <a:font script="Syre" typeface="Estrangelo Edessa"/>
+        <a:font script="Sora" typeface="Nirmala UI"/>
+        <a:font script="Tale" typeface="Microsoft Tai Le"/>
+        <a:font script="Talu" typeface="Microsoft New Tai Lue"/>
+        <a:font script="Tfng" typeface="Ebrima"/>
+      </a:minorFont>
+    </a:fontScheme>
+    <a:fmtScheme name="Office">
+      <a:fillStyleLst>
+        <a:solidFill>
+          <a:schemeClr val="phClr"/>
+        </a:solidFill>
+        <a:gradFill rotWithShape="1">
+          <a:gsLst>
+            <a:gs pos="0">
+              <a:schemeClr val="phClr">
+                <a:lumMod val="110000"/>
+                <a:satMod val="105000"/>
+                <a:tint val="67000"/>
+              </a:schemeClr>
+            </a:gs>
+            <a:gs pos="50000">
+              <a:schemeClr val="phClr">
+                <a:lumMod val="105000"/>
+                <a:satMod val="103000"/>
+                <a:tint val="73000"/>
+              </a:schemeClr>
+            </a:gs>
+            <a:gs pos="100000">
+              <a:schemeClr val="phClr">
+                <a:lumMod val="105000"/>
+                <a:satMod val="109000"/>
+                <a:tint val="81000"/>
+              </a:schemeClr>
+            </a:gs>
+          </a:gsLst>
+          <a:lin ang="5400000" scaled="0"/>
+        </a:gradFill>
+        <a:gradFill rotWithShape="1">
+          <a:gsLst>
+            <a:gs pos="0">
+              <a:schemeClr val="phClr">
+                <a:satMod val="103000"/>
+                <a:lumMod val="102000"/>
+                <a:tint val="94000"/>
+              </a:schemeClr>
+            </a:gs>
+            <a:gs pos="50000">
+              <a:schemeClr val="phClr">
+                <a:satMod val="110000"/>
+                <a:lumMod val="100000"/>
+                <a:shade val="100000"/>
+              </a:schemeClr>
+            </a:gs>
+            <a:gs pos="100000">
+              <a:schemeClr val="phClr">
+                <a:lumMod val="99000"/>
+                <a:satMod val="120000"/>
+                <a:shade val="78000"/>
+              </a:schemeClr>
+            </a:gs>
+          </a:gsLst>
+          <a:lin ang="5400000" scaled="0"/>
+        </a:gradFill>
+      </a:fillStyleLst>
+      <a:lnStyleLst>
+        <a:ln w="12700" cap="flat" cmpd="sng" algn="ctr">
+          <a:solidFill>
+            <a:schemeClr val="phClr"/>
+          </a:solidFill>
+          <a:prstDash val="solid"/>
+          <a:miter lim="800000"/>
+        </a:ln>
+        <a:ln w="19050" cap="flat" cmpd="sng" algn="ctr">
+          <a:solidFill>
+            <a:schemeClr val="phClr"/>
+          </a:solidFill>
+          <a:prstDash val="solid"/>
+          <a:miter lim="800000"/>
+        </a:ln>
+        <a:ln w="25400" cap="flat" cmpd="sng" algn="ctr">
+          <a:solidFill>
+            <a:schemeClr val="phClr"/>
+          </a:solidFill>
+          <a:prstDash val="solid"/>
+          <a:miter lim="800000"/>
+        </a:ln>
+      </a:lnStyleLst>
+      <a:effectStyleLst>
+        <a:effectStyle>
+          <a:effectLst/>
+        </a:effectStyle>
+        <a:effectStyle>
+          <a:effectLst/>
+        </a:effectStyle>
+        <a:effectStyle>
+          <a:effectLst>
+            <a:outerShdw blurRad="57150" dist="19050" dir="5400000" algn="ctr" rotWithShape="0">
+              <a:srgbClr val="000000">
+                <a:alpha val="63000"/>
+              </a:srgbClr>
+            </a:outerShdw>
+          </a:effectLst>
+        </a:effectStyle>
+      </a:effectStyleLst>
+      <a:bgFillStyleLst>
+        <a:solidFill>
+          <a:schemeClr val="phClr"/>
+        </a:solidFill>
+        <a:solidFill>
+          <a:schemeClr val="phClr">
+            <a:tint val="95000"/>
+            <a:satMod val="170000"/>
+          </a:schemeClr>
+        </a:solidFill>
+        <a:gradFill rotWithShape="1">
+          <a:gsLst>
+            <a:gs pos="0">
+              <a:schemeClr val="phClr">
+                <a:tint val="93000"/>
+                <a:satMod val="150000"/>
+                <a:shade val="98000"/>
+                <a:lumMod val="102000"/>
+              </a:schemeClr>
+            </a:gs>
+            <a:gs pos="50000">
+              <a:schemeClr val="phClr">
+                <a:tint val="98000"/>
+                <a:satMod val="130000"/>
+                <a:shade val="90000"/>
+                <a:lumMod val="103000"/>
+              </a:schemeClr>
+            </a:gs>
+            <a:gs pos="100000">
+              <a:schemeClr val="phClr">
+                <a:shade val="63000"/>
+                <a:satMod val="120000"/>
+              </a:schemeClr>
+            </a:gs>
+          </a:gsLst>
+          <a:lin ang="5400000" scaled="0"/>
+        </a:gradFill>
+      </a:bgFillStyleLst>
+    </a:fmtScheme>
+  </a:themeElements>
+  <a:objectDefaults>
+    <a:lnDef>
+      <a:spPr/>
+      <a:bodyPr/>
+      <a:lstStyle/>
+      <a:style>
+        <a:lnRef idx="2">
+          <a:schemeClr val="accent1"/>
+        </a:lnRef>
+        <a:fillRef idx="0">
+          <a:schemeClr val="accent1"/>
+        </a:fillRef>
+        <a:effectRef idx="1">
+          <a:schemeClr val="accent1"/>
+        </a:effectRef>
+        <a:fontRef idx="minor">
+          <a:schemeClr val="tx1"/>
+        </a:fontRef>
+      </a:style>
+    </a:lnDef>
+  </a:objectDefaults>
+  <a:extraClrSchemeLst/>
+  <a:extLst>
+    <a:ext uri="{05A4C25C-085E-4340-85A3-A5531E510DB2}">
+      <thm15:themeFamily xmlns:thm15="http://schemas.microsoft.com/office/thememl/2012/main" name="Office Theme" id="{2E142A2C-CD16-42D6-873A-C26D2A0506FA}" vid="{1BDDFF52-6CD6-40A5-AB3C-68EB2F1E4D0A}"/>
+    </a:ext>
+  </a:extLst>
+</a:theme>
 </file>